--- a/vae.pptx
+++ b/vae.pptx
@@ -7,18 +7,19 @@
     <p:sldMasterId id="2147483672" r:id="rId3"/>
   </p:sldMasterIdLst>
   <p:notesMasterIdLst>
-    <p:notesMasterId r:id="rId13"/>
+    <p:notesMasterId r:id="rId14"/>
   </p:notesMasterIdLst>
   <p:sldIdLst>
     <p:sldId id="256" r:id="rId4"/>
-    <p:sldId id="391" r:id="rId5"/>
-    <p:sldId id="393" r:id="rId6"/>
-    <p:sldId id="392" r:id="rId7"/>
-    <p:sldId id="395" r:id="rId8"/>
-    <p:sldId id="376" r:id="rId9"/>
-    <p:sldId id="396" r:id="rId10"/>
-    <p:sldId id="397" r:id="rId11"/>
-    <p:sldId id="260" r:id="rId12"/>
+    <p:sldId id="398" r:id="rId5"/>
+    <p:sldId id="391" r:id="rId6"/>
+    <p:sldId id="393" r:id="rId7"/>
+    <p:sldId id="392" r:id="rId8"/>
+    <p:sldId id="395" r:id="rId9"/>
+    <p:sldId id="376" r:id="rId10"/>
+    <p:sldId id="396" r:id="rId11"/>
+    <p:sldId id="397" r:id="rId12"/>
+    <p:sldId id="260" r:id="rId13"/>
   </p:sldIdLst>
   <p:sldSz cx="9144000" cy="6858000" type="screen4x3"/>
   <p:notesSz cx="6858000" cy="9144000"/>
@@ -569,6 +570,90 @@
 </p:notes>
 </file>
 
+<file path=ppt/notesSlides/notesSlide10.xml><?xml version="1.0" encoding="utf-8"?>
+<p:notes xmlns:a="http://schemas.openxmlformats.org/drawingml/2006/main" xmlns:r="http://schemas.openxmlformats.org/officeDocument/2006/relationships" xmlns:p="http://schemas.openxmlformats.org/presentationml/2006/main">
+  <p:cSld>
+    <p:spTree>
+      <p:nvGrpSpPr>
+        <p:cNvPr id="1" name=""/>
+        <p:cNvGrpSpPr/>
+        <p:nvPr/>
+      </p:nvGrpSpPr>
+      <p:grpSpPr>
+        <a:xfrm>
+          <a:off x="0" y="0"/>
+          <a:ext cx="0" cy="0"/>
+          <a:chOff x="0" y="0"/>
+          <a:chExt cx="0" cy="0"/>
+        </a:xfrm>
+      </p:grpSpPr>
+      <p:sp>
+        <p:nvSpPr>
+          <p:cNvPr id="2" name="幻灯片图像占位符 1"/>
+          <p:cNvSpPr>
+            <a:spLocks noGrp="1" noRot="1" noChangeAspect="1"/>
+          </p:cNvSpPr>
+          <p:nvPr>
+            <p:ph type="sldImg"/>
+          </p:nvPr>
+        </p:nvSpPr>
+        <p:spPr/>
+      </p:sp>
+      <p:sp>
+        <p:nvSpPr>
+          <p:cNvPr id="3" name="备注占位符 2"/>
+          <p:cNvSpPr>
+            <a:spLocks noGrp="1"/>
+          </p:cNvSpPr>
+          <p:nvPr>
+            <p:ph type="body" idx="1"/>
+          </p:nvPr>
+        </p:nvSpPr>
+        <p:spPr/>
+        <p:txBody>
+          <a:bodyPr/>
+          <a:lstStyle/>
+          <a:p>
+            <a:endParaRPr lang="zh-CN" altLang="en-US" dirty="0"/>
+          </a:p>
+        </p:txBody>
+      </p:sp>
+      <p:sp>
+        <p:nvSpPr>
+          <p:cNvPr id="4" name="灯片编号占位符 3"/>
+          <p:cNvSpPr>
+            <a:spLocks noGrp="1"/>
+          </p:cNvSpPr>
+          <p:nvPr>
+            <p:ph type="sldNum" sz="quarter" idx="10"/>
+          </p:nvPr>
+        </p:nvSpPr>
+        <p:spPr/>
+        <p:txBody>
+          <a:bodyPr/>
+          <a:lstStyle/>
+          <a:p>
+            <a:fld id="{DC9A09D8-0980-46EA-A39A-1EB33967A0D5}" type="slidenum">
+              <a:rPr lang="zh-CN" altLang="en-US" smtClean="0"/>
+              <a:t>10</a:t>
+            </a:fld>
+            <a:endParaRPr lang="zh-CN" altLang="en-US"/>
+          </a:p>
+        </p:txBody>
+      </p:sp>
+    </p:spTree>
+    <p:extLst>
+      <p:ext uri="{BB962C8B-B14F-4D97-AF65-F5344CB8AC3E}">
+        <p14:creationId xmlns:p14="http://schemas.microsoft.com/office/powerpoint/2010/main" val="2922472677"/>
+      </p:ext>
+    </p:extLst>
+  </p:cSld>
+  <p:clrMapOvr>
+    <a:masterClrMapping/>
+  </p:clrMapOvr>
+</p:notes>
+</file>
+
 <file path=ppt/notesSlides/notesSlide2.xml><?xml version="1.0" encoding="utf-8"?>
 <p:notes xmlns:a="http://schemas.openxmlformats.org/drawingml/2006/main" xmlns:r="http://schemas.openxmlformats.org/officeDocument/2006/relationships" xmlns:p="http://schemas.openxmlformats.org/presentationml/2006/main">
   <p:cSld>
@@ -643,7 +728,7 @@
     </p:spTree>
     <p:extLst>
       <p:ext uri="{BB962C8B-B14F-4D97-AF65-F5344CB8AC3E}">
-        <p14:creationId xmlns:p14="http://schemas.microsoft.com/office/powerpoint/2010/main" val="978370693"/>
+        <p14:creationId xmlns:p14="http://schemas.microsoft.com/office/powerpoint/2010/main" val="1962271662"/>
       </p:ext>
     </p:extLst>
   </p:cSld>
@@ -727,7 +812,7 @@
     </p:spTree>
     <p:extLst>
       <p:ext uri="{BB962C8B-B14F-4D97-AF65-F5344CB8AC3E}">
-        <p14:creationId xmlns:p14="http://schemas.microsoft.com/office/powerpoint/2010/main" val="307839212"/>
+        <p14:creationId xmlns:p14="http://schemas.microsoft.com/office/powerpoint/2010/main" val="978370693"/>
       </p:ext>
     </p:extLst>
   </p:cSld>
@@ -811,7 +896,7 @@
     </p:spTree>
     <p:extLst>
       <p:ext uri="{BB962C8B-B14F-4D97-AF65-F5344CB8AC3E}">
-        <p14:creationId xmlns:p14="http://schemas.microsoft.com/office/powerpoint/2010/main" val="515128666"/>
+        <p14:creationId xmlns:p14="http://schemas.microsoft.com/office/powerpoint/2010/main" val="307839212"/>
       </p:ext>
     </p:extLst>
   </p:cSld>
@@ -895,7 +980,7 @@
     </p:spTree>
     <p:extLst>
       <p:ext uri="{BB962C8B-B14F-4D97-AF65-F5344CB8AC3E}">
-        <p14:creationId xmlns:p14="http://schemas.microsoft.com/office/powerpoint/2010/main" val="1428960881"/>
+        <p14:creationId xmlns:p14="http://schemas.microsoft.com/office/powerpoint/2010/main" val="515128666"/>
       </p:ext>
     </p:extLst>
   </p:cSld>
@@ -979,7 +1064,7 @@
     </p:spTree>
     <p:extLst>
       <p:ext uri="{BB962C8B-B14F-4D97-AF65-F5344CB8AC3E}">
-        <p14:creationId xmlns:p14="http://schemas.microsoft.com/office/powerpoint/2010/main" val="618402378"/>
+        <p14:creationId xmlns:p14="http://schemas.microsoft.com/office/powerpoint/2010/main" val="1428960881"/>
       </p:ext>
     </p:extLst>
   </p:cSld>
@@ -1063,7 +1148,7 @@
     </p:spTree>
     <p:extLst>
       <p:ext uri="{BB962C8B-B14F-4D97-AF65-F5344CB8AC3E}">
-        <p14:creationId xmlns:p14="http://schemas.microsoft.com/office/powerpoint/2010/main" val="36549201"/>
+        <p14:creationId xmlns:p14="http://schemas.microsoft.com/office/powerpoint/2010/main" val="618402378"/>
       </p:ext>
     </p:extLst>
   </p:cSld>
@@ -1147,7 +1232,7 @@
     </p:spTree>
     <p:extLst>
       <p:ext uri="{BB962C8B-B14F-4D97-AF65-F5344CB8AC3E}">
-        <p14:creationId xmlns:p14="http://schemas.microsoft.com/office/powerpoint/2010/main" val="2086242305"/>
+        <p14:creationId xmlns:p14="http://schemas.microsoft.com/office/powerpoint/2010/main" val="36549201"/>
       </p:ext>
     </p:extLst>
   </p:cSld>
@@ -1201,13 +1286,13 @@
           <a:bodyPr/>
           <a:lstStyle/>
           <a:p>
-            <a:endParaRPr lang="zh-CN" altLang="en-US" dirty="0"/>
+            <a:endParaRPr kumimoji="1" lang="zh-CN" altLang="en-US" dirty="0"/>
           </a:p>
         </p:txBody>
       </p:sp>
       <p:sp>
         <p:nvSpPr>
-          <p:cNvPr id="4" name="灯片编号占位符 3"/>
+          <p:cNvPr id="4" name="幻灯片编号占位符 3"/>
           <p:cNvSpPr>
             <a:spLocks noGrp="1"/>
           </p:cNvSpPr>
@@ -1231,7 +1316,7 @@
     </p:spTree>
     <p:extLst>
       <p:ext uri="{BB962C8B-B14F-4D97-AF65-F5344CB8AC3E}">
-        <p14:creationId xmlns:p14="http://schemas.microsoft.com/office/powerpoint/2010/main" val="2922472677"/>
+        <p14:creationId xmlns:p14="http://schemas.microsoft.com/office/powerpoint/2010/main" val="2086242305"/>
       </p:ext>
     </p:extLst>
   </p:cSld>
@@ -29439,14 +29524,14 @@
                 <a:latin typeface="华文楷体" panose="02010600040101010101" pitchFamily="2" charset="-122"/>
                 <a:ea typeface="华文楷体" panose="02010600040101010101" pitchFamily="2" charset="-122"/>
               </a:rPr>
-              <a:t>the </a:t>
+              <a:t>can </a:t>
             </a:r>
             <a:r>
-              <a:rPr lang="en-US" altLang="zh-CN" sz="4400" dirty="0" smtClean="0">
+              <a:rPr lang="en-US" altLang="zh-CN" sz="4400" smtClean="0">
                 <a:latin typeface="华文楷体" panose="02010600040101010101" pitchFamily="2" charset="-122"/>
                 <a:ea typeface="华文楷体" panose="02010600040101010101" pitchFamily="2" charset="-122"/>
               </a:rPr>
-              <a:t>AI generates </a:t>
+              <a:t>AI generate </a:t>
             </a:r>
             <a:r>
               <a:rPr lang="en-US" altLang="zh-CN" sz="4400" dirty="0">
@@ -29512,6 +29597,93 @@
     <p:extLst>
       <p:ext uri="{BB962C8B-B14F-4D97-AF65-F5344CB8AC3E}">
         <p14:creationId xmlns:p14="http://schemas.microsoft.com/office/powerpoint/2010/main" val="348236315"/>
+      </p:ext>
+    </p:extLst>
+  </p:cSld>
+  <p:clrMapOvr>
+    <a:masterClrMapping/>
+  </p:clrMapOvr>
+  <mc:AlternateContent xmlns:mc="http://schemas.openxmlformats.org/markup-compatibility/2006" xmlns:p14="http://schemas.microsoft.com/office/powerpoint/2010/main">
+    <mc:Choice Requires="p14">
+      <p:transition p14:dur="10"/>
+    </mc:Choice>
+    <mc:Fallback xmlns="">
+      <p:transition/>
+    </mc:Fallback>
+  </mc:AlternateContent>
+  <p:timing>
+    <p:tnLst>
+      <p:par>
+        <p:cTn id="1" dur="indefinite" restart="never" nodeType="tmRoot"/>
+      </p:par>
+    </p:tnLst>
+  </p:timing>
+</p:sld>
+</file>
+
+<file path=ppt/slides/slide10.xml><?xml version="1.0" encoding="utf-8"?>
+<p:sld xmlns:a="http://schemas.openxmlformats.org/drawingml/2006/main" xmlns:r="http://schemas.openxmlformats.org/officeDocument/2006/relationships" xmlns:p="http://schemas.openxmlformats.org/presentationml/2006/main">
+  <p:cSld>
+    <p:spTree>
+      <p:nvGrpSpPr>
+        <p:cNvPr id="1" name=""/>
+        <p:cNvGrpSpPr/>
+        <p:nvPr/>
+      </p:nvGrpSpPr>
+      <p:grpSpPr>
+        <a:xfrm>
+          <a:off x="0" y="0"/>
+          <a:ext cx="0" cy="0"/>
+          <a:chOff x="0" y="0"/>
+          <a:chExt cx="0" cy="0"/>
+        </a:xfrm>
+      </p:grpSpPr>
+      <p:sp>
+        <p:nvSpPr>
+          <p:cNvPr id="2" name="标题 1"/>
+          <p:cNvSpPr>
+            <a:spLocks noGrp="1"/>
+          </p:cNvSpPr>
+          <p:nvPr>
+            <p:ph type="ctrTitle"/>
+          </p:nvPr>
+        </p:nvSpPr>
+        <p:spPr>
+          <a:xfrm>
+            <a:off x="1905000" y="1828800"/>
+            <a:ext cx="6411416" cy="2209800"/>
+          </a:xfrm>
+        </p:spPr>
+        <p:txBody>
+          <a:bodyPr/>
+          <a:lstStyle/>
+          <a:p>
+            <a:pPr algn="ctr"/>
+            <a:r>
+              <a:rPr lang="en-GB" altLang="zh-CN" sz="6000" dirty="0" smtClean="0">
+                <a:latin typeface="华文楷体" panose="02010600040101010101" pitchFamily="2" charset="-122"/>
+                <a:ea typeface="华文楷体" panose="02010600040101010101" pitchFamily="2" charset="-122"/>
+              </a:rPr>
+              <a:t>Thank you</a:t>
+            </a:r>
+            <a:r>
+              <a:rPr lang="zh-CN" altLang="en-US" sz="6000" dirty="0" smtClean="0">
+                <a:latin typeface="华文楷体" panose="02010600040101010101" pitchFamily="2" charset="-122"/>
+                <a:ea typeface="华文楷体" panose="02010600040101010101" pitchFamily="2" charset="-122"/>
+              </a:rPr>
+              <a:t>！</a:t>
+            </a:r>
+            <a:endParaRPr lang="zh-CN" altLang="en-US" sz="6000" dirty="0">
+              <a:latin typeface="华文楷体" panose="02010600040101010101" pitchFamily="2" charset="-122"/>
+              <a:ea typeface="华文楷体" panose="02010600040101010101" pitchFamily="2" charset="-122"/>
+            </a:endParaRPr>
+          </a:p>
+        </p:txBody>
+      </p:sp>
+    </p:spTree>
+    <p:extLst>
+      <p:ext uri="{BB962C8B-B14F-4D97-AF65-F5344CB8AC3E}">
+        <p14:creationId xmlns:p14="http://schemas.microsoft.com/office/powerpoint/2010/main" val="1225021555"/>
       </p:ext>
     </p:extLst>
   </p:cSld>
@@ -29576,8 +29748,8 @@
           </a:p>
         </p:txBody>
       </p:sp>
-      <mc:AlternateContent xmlns:mc="http://schemas.openxmlformats.org/markup-compatibility/2006" xmlns:a14="http://schemas.microsoft.com/office/drawing/2010/main">
-        <mc:Choice Requires="a14">
+      <mc:AlternateContent xmlns:mc="http://schemas.openxmlformats.org/markup-compatibility/2006">
+        <mc:Choice xmlns:a14="http://schemas.microsoft.com/office/drawing/2010/main" Requires="a14">
           <p:sp>
             <p:nvSpPr>
               <p:cNvPr id="3" name="内容占位符 2"/>
@@ -29591,7 +29763,7 @@
             <p:spPr>
               <a:xfrm>
                 <a:off x="467544" y="1546435"/>
-                <a:ext cx="4680520" cy="548853"/>
+                <a:ext cx="7992888" cy="548853"/>
               </a:xfrm>
             </p:spPr>
             <p:txBody>
@@ -29614,51 +29786,26 @@
                 </a14:m>
                 <a:r>
                   <a:rPr kumimoji="1" lang="en-GB" altLang="zh-CN" dirty="0" smtClean="0"/>
-                  <a:t> distributes on a low-dimensional manifold in a high-dimensional space</a:t>
+                  <a:t> distributes on a </a:t>
                 </a:r>
-              </a:p>
-              <a:p>
                 <a:r>
                   <a:rPr kumimoji="1" lang="en-GB" altLang="zh-CN" dirty="0" smtClean="0"/>
-                  <a:t>Directly learn </a:t>
+                  <a:t>low-dimensional </a:t>
                 </a:r>
-                <a14:m>
-                  <m:oMath xmlns:m="http://schemas.openxmlformats.org/officeDocument/2006/math">
-                    <m:r>
-                      <a:rPr kumimoji="1" lang="en-GB" altLang="zh-CN" i="1" dirty="0" smtClean="0">
-                        <a:latin typeface="Cambria Math" charset="0"/>
-                      </a:rPr>
-                      <m:t>𝑝</m:t>
-                    </m:r>
-                    <m:r>
-                      <a:rPr kumimoji="1" lang="en-GB" altLang="zh-CN" i="1" dirty="0" smtClean="0">
-                        <a:latin typeface="Cambria Math" charset="0"/>
-                      </a:rPr>
-                      <m:t>(</m:t>
-                    </m:r>
-                    <m:r>
-                      <a:rPr kumimoji="1" lang="en-GB" altLang="zh-CN" i="1" dirty="0" smtClean="0">
-                        <a:latin typeface="Cambria Math" charset="0"/>
-                      </a:rPr>
-                      <m:t>𝑥</m:t>
-                    </m:r>
-                    <m:r>
-                      <a:rPr kumimoji="1" lang="en-GB" altLang="zh-CN" i="1" dirty="0" smtClean="0">
-                        <a:latin typeface="Cambria Math" charset="0"/>
-                      </a:rPr>
-                      <m:t>)</m:t>
-                    </m:r>
-                  </m:oMath>
-                </a14:m>
                 <a:r>
                   <a:rPr kumimoji="1" lang="en-GB" altLang="zh-CN" dirty="0" smtClean="0"/>
-                  <a:t> is not good</a:t>
+                  <a:t>manifold in a high-dimensional </a:t>
                 </a:r>
+                <a:r>
+                  <a:rPr kumimoji="1" lang="en-GB" altLang="zh-CN" dirty="0" smtClean="0"/>
+                  <a:t>space</a:t>
+                </a:r>
+                <a:endParaRPr kumimoji="1" lang="en-GB" altLang="zh-CN" dirty="0" smtClean="0"/>
               </a:p>
             </p:txBody>
           </p:sp>
         </mc:Choice>
-        <mc:Fallback xmlns="">
+        <mc:Fallback>
           <p:sp>
             <p:nvSpPr>
               <p:cNvPr id="3" name="内容占位符 2"/>
@@ -29672,12 +29819,12 @@
             <p:spPr>
               <a:xfrm>
                 <a:off x="467544" y="1546435"/>
-                <a:ext cx="4680520" cy="548853"/>
+                <a:ext cx="7992888" cy="548853"/>
               </a:xfrm>
               <a:blipFill rotWithShape="0">
                 <a:blip r:embed="rId3"/>
                 <a:stretch>
-                  <a:fillRect l="-1173" t="-11111" r="-1304" b="-247778"/>
+                  <a:fillRect l="-686" t="-11111" r="-839" b="-88889"/>
                 </a:stretch>
               </a:blipFill>
             </p:spPr>
@@ -29718,7 +29865,7 @@
         </p:blipFill>
         <p:spPr>
           <a:xfrm>
-            <a:off x="5796136" y="1268760"/>
+            <a:off x="488727" y="3429000"/>
             <a:ext cx="2116190" cy="2088232"/>
           </a:xfrm>
           <a:prstGeom prst="rect">
@@ -29767,7 +29914,7 @@
       </p:sp>
       <p:pic>
         <p:nvPicPr>
-          <p:cNvPr id="5" name="图片 4"/>
+          <p:cNvPr id="7" name="图片 6"/>
           <p:cNvPicPr>
             <a:picLocks noChangeAspect="1"/>
           </p:cNvPicPr>
@@ -29787,38 +29934,8 @@
         </p:blipFill>
         <p:spPr>
           <a:xfrm>
-            <a:off x="755576" y="3707074"/>
-            <a:ext cx="3746376" cy="3150926"/>
-          </a:xfrm>
-          <a:prstGeom prst="rect">
-            <a:avLst/>
-          </a:prstGeom>
-        </p:spPr>
-      </p:pic>
-      <p:pic>
-        <p:nvPicPr>
-          <p:cNvPr id="6" name="图片 5"/>
-          <p:cNvPicPr>
-            <a:picLocks noChangeAspect="1"/>
-          </p:cNvPicPr>
-          <p:nvPr/>
-        </p:nvPicPr>
-        <p:blipFill>
-          <a:blip r:embed="rId6">
-            <a:extLst>
-              <a:ext uri="{28A0092B-C50C-407E-A947-70E740481C1C}">
-                <a14:useLocalDpi xmlns:a14="http://schemas.microsoft.com/office/drawing/2010/main" val="0"/>
-              </a:ext>
-            </a:extLst>
-          </a:blip>
-          <a:stretch>
-            <a:fillRect/>
-          </a:stretch>
-        </p:blipFill>
-        <p:spPr>
-          <a:xfrm>
-            <a:off x="4860032" y="3483582"/>
-            <a:ext cx="3403224" cy="3374418"/>
+            <a:off x="3247801" y="3377170"/>
+            <a:ext cx="5429250" cy="2047875"/>
           </a:xfrm>
           <a:prstGeom prst="rect">
             <a:avLst/>
@@ -29828,7 +29945,7 @@
     </p:spTree>
     <p:extLst>
       <p:ext uri="{BB962C8B-B14F-4D97-AF65-F5344CB8AC3E}">
-        <p14:creationId xmlns:p14="http://schemas.microsoft.com/office/powerpoint/2010/main" val="1504587274"/>
+        <p14:creationId xmlns:p14="http://schemas.microsoft.com/office/powerpoint/2010/main" val="221803201"/>
       </p:ext>
     </p:extLst>
   </p:cSld>
@@ -29881,6 +29998,279 @@
           <a:lstStyle/>
           <a:p>
             <a:r>
+              <a:rPr kumimoji="1" lang="en-GB" altLang="zh-CN" dirty="0" smtClean="0"/>
+              <a:t>Image Manifold</a:t>
+            </a:r>
+            <a:endParaRPr kumimoji="1" lang="zh-CN" altLang="en-US" dirty="0"/>
+          </a:p>
+        </p:txBody>
+      </p:sp>
+      <mc:AlternateContent xmlns:mc="http://schemas.openxmlformats.org/markup-compatibility/2006">
+        <mc:Choice xmlns:a14="http://schemas.microsoft.com/office/drawing/2010/main" Requires="a14">
+          <p:sp>
+            <p:nvSpPr>
+              <p:cNvPr id="3" name="内容占位符 2"/>
+              <p:cNvSpPr>
+                <a:spLocks noGrp="1"/>
+              </p:cNvSpPr>
+              <p:nvPr>
+                <p:ph idx="1"/>
+              </p:nvPr>
+            </p:nvSpPr>
+            <p:spPr>
+              <a:xfrm>
+                <a:off x="467544" y="1546435"/>
+                <a:ext cx="7560840" cy="548853"/>
+              </a:xfrm>
+            </p:spPr>
+            <p:txBody>
+              <a:bodyPr/>
+              <a:lstStyle/>
+              <a:p>
+                <a:r>
+                  <a:rPr kumimoji="1" lang="en-US" altLang="zh-CN" dirty="0" smtClean="0"/>
+                  <a:t>A low-dimensional representation is sufficient</a:t>
+                </a:r>
+                <a:endParaRPr kumimoji="1" lang="zh-CN" altLang="en-US" dirty="0" smtClean="0"/>
+              </a:p>
+              <a:p>
+                <a:r>
+                  <a:rPr kumimoji="1" lang="en-GB" altLang="zh-CN" dirty="0" smtClean="0"/>
+                  <a:t>Directly </a:t>
+                </a:r>
+                <a:r>
+                  <a:rPr kumimoji="1" lang="en-GB" altLang="zh-CN" dirty="0" smtClean="0"/>
+                  <a:t>learn </a:t>
+                </a:r>
+                <a14:m>
+                  <m:oMath xmlns:m="http://schemas.openxmlformats.org/officeDocument/2006/math">
+                    <m:r>
+                      <a:rPr kumimoji="1" lang="en-GB" altLang="zh-CN" i="1" dirty="0" smtClean="0">
+                        <a:latin typeface="Cambria Math" charset="0"/>
+                      </a:rPr>
+                      <m:t>𝑝</m:t>
+                    </m:r>
+                    <m:r>
+                      <a:rPr kumimoji="1" lang="en-GB" altLang="zh-CN" i="1" dirty="0" smtClean="0">
+                        <a:latin typeface="Cambria Math" charset="0"/>
+                      </a:rPr>
+                      <m:t>(</m:t>
+                    </m:r>
+                    <m:r>
+                      <a:rPr kumimoji="1" lang="en-GB" altLang="zh-CN" i="1" dirty="0" smtClean="0">
+                        <a:latin typeface="Cambria Math" charset="0"/>
+                      </a:rPr>
+                      <m:t>𝑥</m:t>
+                    </m:r>
+                    <m:r>
+                      <a:rPr kumimoji="1" lang="en-GB" altLang="zh-CN" i="1" dirty="0" smtClean="0">
+                        <a:latin typeface="Cambria Math" charset="0"/>
+                      </a:rPr>
+                      <m:t>)</m:t>
+                    </m:r>
+                  </m:oMath>
+                </a14:m>
+                <a:r>
+                  <a:rPr kumimoji="1" lang="en-GB" altLang="zh-CN" dirty="0" smtClean="0"/>
+                  <a:t> is not good</a:t>
+                </a:r>
+              </a:p>
+            </p:txBody>
+          </p:sp>
+        </mc:Choice>
+        <mc:Fallback>
+          <p:sp>
+            <p:nvSpPr>
+              <p:cNvPr id="3" name="内容占位符 2"/>
+              <p:cNvSpPr>
+                <a:spLocks noGrp="1" noRot="1" noChangeAspect="1" noMove="1" noResize="1" noEditPoints="1" noAdjustHandles="1" noChangeArrowheads="1" noChangeShapeType="1" noTextEdit="1"/>
+              </p:cNvSpPr>
+              <p:nvPr>
+                <p:ph idx="1"/>
+              </p:nvPr>
+            </p:nvSpPr>
+            <p:spPr>
+              <a:xfrm>
+                <a:off x="467544" y="1546435"/>
+                <a:ext cx="7560840" cy="548853"/>
+              </a:xfrm>
+              <a:blipFill rotWithShape="0">
+                <a:blip r:embed="rId3"/>
+                <a:stretch>
+                  <a:fillRect l="-726" t="-11111" b="-103333"/>
+                </a:stretch>
+              </a:blipFill>
+            </p:spPr>
+            <p:txBody>
+              <a:bodyPr/>
+              <a:lstStyle/>
+              <a:p>
+                <a:r>
+                  <a:rPr lang="zh-CN" altLang="en-US">
+                    <a:noFill/>
+                  </a:rPr>
+                  <a:t> </a:t>
+                </a:r>
+              </a:p>
+            </p:txBody>
+          </p:sp>
+        </mc:Fallback>
+      </mc:AlternateContent>
+      <p:sp>
+        <p:nvSpPr>
+          <p:cNvPr id="4" name="AutoShape 2" descr="https://qph.fs.quoracdn.net/main-qimg-3b5c0a83cb9b46a3ad704c0c0b61adc1.webp"/>
+          <p:cNvSpPr>
+            <a:spLocks noChangeAspect="1" noChangeArrowheads="1"/>
+          </p:cNvSpPr>
+          <p:nvPr/>
+        </p:nvSpPr>
+        <p:spPr bwMode="auto">
+          <a:xfrm>
+            <a:off x="0" y="0"/>
+            <a:ext cx="304800" cy="304800"/>
+          </a:xfrm>
+          <a:prstGeom prst="rect">
+            <a:avLst/>
+          </a:prstGeom>
+          <a:noFill/>
+          <a:extLst>
+            <a:ext uri="{909E8E84-426E-40DD-AFC4-6F175D3DCCD1}">
+              <a14:hiddenFill xmlns:a14="http://schemas.microsoft.com/office/drawing/2010/main">
+                <a:solidFill>
+                  <a:srgbClr val="FFFFFF"/>
+                </a:solidFill>
+              </a14:hiddenFill>
+            </a:ext>
+          </a:extLst>
+        </p:spPr>
+        <p:txBody>
+          <a:bodyPr vert="horz" wrap="square" lIns="91440" tIns="45720" rIns="91440" bIns="45720" numCol="1" anchor="t" anchorCtr="0" compatLnSpc="1">
+            <a:prstTxWarp prst="textNoShape">
+              <a:avLst/>
+            </a:prstTxWarp>
+          </a:bodyPr>
+          <a:lstStyle/>
+          <a:p>
+            <a:endParaRPr lang="zh-CN" altLang="en-US"/>
+          </a:p>
+        </p:txBody>
+      </p:sp>
+      <p:pic>
+        <p:nvPicPr>
+          <p:cNvPr id="5" name="图片 4"/>
+          <p:cNvPicPr>
+            <a:picLocks noChangeAspect="1"/>
+          </p:cNvPicPr>
+          <p:nvPr/>
+        </p:nvPicPr>
+        <p:blipFill>
+          <a:blip r:embed="rId4">
+            <a:extLst>
+              <a:ext uri="{28A0092B-C50C-407E-A947-70E740481C1C}">
+                <a14:useLocalDpi xmlns:a14="http://schemas.microsoft.com/office/drawing/2010/main" val="0"/>
+              </a:ext>
+            </a:extLst>
+          </a:blip>
+          <a:stretch>
+            <a:fillRect/>
+          </a:stretch>
+        </p:blipFill>
+        <p:spPr>
+          <a:xfrm>
+            <a:off x="304800" y="2963320"/>
+            <a:ext cx="3979168" cy="3346718"/>
+          </a:xfrm>
+          <a:prstGeom prst="rect">
+            <a:avLst/>
+          </a:prstGeom>
+        </p:spPr>
+      </p:pic>
+      <p:pic>
+        <p:nvPicPr>
+          <p:cNvPr id="6" name="图片 5"/>
+          <p:cNvPicPr>
+            <a:picLocks noChangeAspect="1"/>
+          </p:cNvPicPr>
+          <p:nvPr/>
+        </p:nvPicPr>
+        <p:blipFill>
+          <a:blip r:embed="rId5">
+            <a:extLst>
+              <a:ext uri="{28A0092B-C50C-407E-A947-70E740481C1C}">
+                <a14:useLocalDpi xmlns:a14="http://schemas.microsoft.com/office/drawing/2010/main" val="0"/>
+              </a:ext>
+            </a:extLst>
+          </a:blip>
+          <a:stretch>
+            <a:fillRect/>
+          </a:stretch>
+        </p:blipFill>
+        <p:spPr>
+          <a:xfrm>
+            <a:off x="4648200" y="2780928"/>
+            <a:ext cx="3888432" cy="3855519"/>
+          </a:xfrm>
+          <a:prstGeom prst="rect">
+            <a:avLst/>
+          </a:prstGeom>
+        </p:spPr>
+      </p:pic>
+    </p:spTree>
+    <p:extLst>
+      <p:ext uri="{BB962C8B-B14F-4D97-AF65-F5344CB8AC3E}">
+        <p14:creationId xmlns:p14="http://schemas.microsoft.com/office/powerpoint/2010/main" val="1504587274"/>
+      </p:ext>
+    </p:extLst>
+  </p:cSld>
+  <p:clrMapOvr>
+    <a:masterClrMapping/>
+  </p:clrMapOvr>
+  <p:transition spd="slow" advTm="11299">
+    <p:fade/>
+  </p:transition>
+  <p:timing>
+    <p:tnLst>
+      <p:par>
+        <p:cTn id="1" dur="indefinite" restart="never" nodeType="tmRoot"/>
+      </p:par>
+    </p:tnLst>
+  </p:timing>
+</p:sld>
+</file>
+
+<file path=ppt/slides/slide4.xml><?xml version="1.0" encoding="utf-8"?>
+<p:sld xmlns:a="http://schemas.openxmlformats.org/drawingml/2006/main" xmlns:r="http://schemas.openxmlformats.org/officeDocument/2006/relationships" xmlns:p="http://schemas.openxmlformats.org/presentationml/2006/main">
+  <p:cSld>
+    <p:spTree>
+      <p:nvGrpSpPr>
+        <p:cNvPr id="1" name=""/>
+        <p:cNvGrpSpPr/>
+        <p:nvPr/>
+      </p:nvGrpSpPr>
+      <p:grpSpPr>
+        <a:xfrm>
+          <a:off x="0" y="0"/>
+          <a:ext cx="0" cy="0"/>
+          <a:chOff x="0" y="0"/>
+          <a:chExt cx="0" cy="0"/>
+        </a:xfrm>
+      </p:grpSpPr>
+      <p:sp>
+        <p:nvSpPr>
+          <p:cNvPr id="2" name="标题 1"/>
+          <p:cNvSpPr>
+            <a:spLocks noGrp="1"/>
+          </p:cNvSpPr>
+          <p:nvPr>
+            <p:ph type="title"/>
+          </p:nvPr>
+        </p:nvSpPr>
+        <p:spPr/>
+        <p:txBody>
+          <a:bodyPr/>
+          <a:lstStyle/>
+          <a:p>
+            <a:r>
               <a:rPr lang="en-US" altLang="zh-CN" dirty="0" smtClean="0"/>
               <a:t>Latent Variable Model</a:t>
             </a:r>
@@ -29888,8 +30278,8 @@
           </a:p>
         </p:txBody>
       </p:sp>
-      <mc:AlternateContent xmlns:mc="http://schemas.openxmlformats.org/markup-compatibility/2006" xmlns:a14="http://schemas.microsoft.com/office/drawing/2010/main">
-        <mc:Choice Requires="a14">
+      <mc:AlternateContent xmlns:mc="http://schemas.openxmlformats.org/markup-compatibility/2006">
+        <mc:Choice xmlns:a14="http://schemas.microsoft.com/office/drawing/2010/main" Requires="a14">
           <p:sp>
             <p:nvSpPr>
               <p:cNvPr id="3" name="内容占位符 2"/>
@@ -29912,8 +30302,23 @@
               <a:p>
                 <a:r>
                   <a:rPr kumimoji="1" lang="en-GB" altLang="zh-CN" dirty="0" smtClean="0"/>
-                  <a:t>Generative process</a:t>
+                  <a:t>Generative </a:t>
                 </a:r>
+                <a:r>
+                  <a:rPr kumimoji="1" lang="en-GB" altLang="zh-CN" dirty="0" smtClean="0"/>
+                  <a:t>process of data </a:t>
+                </a:r>
+                <a14:m>
+                  <m:oMath xmlns:m="http://schemas.openxmlformats.org/officeDocument/2006/math">
+                    <m:r>
+                      <a:rPr kumimoji="1" lang="en-GB" altLang="zh-CN" i="1" dirty="0" smtClean="0">
+                        <a:latin typeface="Cambria Math" charset="0"/>
+                      </a:rPr>
+                      <m:t>𝑥</m:t>
+                    </m:r>
+                  </m:oMath>
+                </a14:m>
+                <a:endParaRPr kumimoji="1" lang="en-GB" altLang="zh-CN" dirty="0" smtClean="0"/>
               </a:p>
               <a:p>
                 <a:pPr lvl="1"/>
@@ -30132,7 +30537,7 @@
             </p:txBody>
           </p:sp>
         </mc:Choice>
-        <mc:Fallback xmlns="">
+        <mc:Fallback>
           <p:sp>
             <p:nvSpPr>
               <p:cNvPr id="3" name="内容占位符 2"/>
@@ -30253,7 +30658,7 @@
 </p:sld>
 </file>
 
-<file path=ppt/slides/slide4.xml><?xml version="1.0" encoding="utf-8"?>
+<file path=ppt/slides/slide5.xml><?xml version="1.0" encoding="utf-8"?>
 <p:sld xmlns:a="http://schemas.openxmlformats.org/drawingml/2006/main" xmlns:r="http://schemas.openxmlformats.org/officeDocument/2006/relationships" xmlns:p="http://schemas.openxmlformats.org/presentationml/2006/main">
   <p:cSld>
     <p:spTree>
@@ -30735,12 +31140,31 @@
                         </a:rPr>
                         <m:t>−</m:t>
                       </m:r>
-                      <m:r>
-                        <a:rPr kumimoji="1" lang="en-GB" altLang="zh-CN" b="0" i="1" dirty="0" smtClean="0">
-                          <a:latin typeface="Cambria Math" charset="0"/>
-                        </a:rPr>
-                        <m:t>𝐷</m:t>
-                      </m:r>
+                      <m:sSub>
+                        <m:sSubPr>
+                          <m:ctrlPr>
+                            <a:rPr kumimoji="1" lang="en-GB" altLang="zh-CN" b="0" i="1" dirty="0" smtClean="0">
+                              <a:latin typeface="Cambria Math" charset="0"/>
+                            </a:rPr>
+                          </m:ctrlPr>
+                        </m:sSubPr>
+                        <m:e>
+                          <m:r>
+                            <a:rPr kumimoji="1" lang="en-GB" altLang="zh-CN" b="0" i="1" dirty="0" smtClean="0">
+                              <a:latin typeface="Cambria Math" charset="0"/>
+                            </a:rPr>
+                            <m:t>𝐷</m:t>
+                          </m:r>
+                        </m:e>
+                        <m:sub>
+                          <m:r>
+                            <a:rPr kumimoji="1" lang="en-GB" altLang="zh-CN" b="0" i="1" dirty="0" smtClean="0">
+                              <a:latin typeface="Cambria Math" charset="0"/>
+                            </a:rPr>
+                            <m:t>𝐾𝐿</m:t>
+                          </m:r>
+                        </m:sub>
+                      </m:sSub>
                       <m:r>
                         <a:rPr kumimoji="1" lang="en-GB" altLang="zh-CN" b="0" i="1" dirty="0" smtClean="0">
                           <a:latin typeface="Cambria Math" charset="0"/>
@@ -30976,133 +31400,6 @@
 </p:sld>
 </file>
 
-<file path=ppt/slides/slide5.xml><?xml version="1.0" encoding="utf-8"?>
-<p:sld xmlns:a="http://schemas.openxmlformats.org/drawingml/2006/main" xmlns:r="http://schemas.openxmlformats.org/officeDocument/2006/relationships" xmlns:p="http://schemas.openxmlformats.org/presentationml/2006/main">
-  <p:cSld>
-    <p:spTree>
-      <p:nvGrpSpPr>
-        <p:cNvPr id="1" name=""/>
-        <p:cNvGrpSpPr/>
-        <p:nvPr/>
-      </p:nvGrpSpPr>
-      <p:grpSpPr>
-        <a:xfrm>
-          <a:off x="0" y="0"/>
-          <a:ext cx="0" cy="0"/>
-          <a:chOff x="0" y="0"/>
-          <a:chExt cx="0" cy="0"/>
-        </a:xfrm>
-      </p:grpSpPr>
-      <p:sp>
-        <p:nvSpPr>
-          <p:cNvPr id="2" name="标题 1"/>
-          <p:cNvSpPr>
-            <a:spLocks noGrp="1"/>
-          </p:cNvSpPr>
-          <p:nvPr>
-            <p:ph type="title"/>
-          </p:nvPr>
-        </p:nvSpPr>
-        <p:spPr/>
-        <p:txBody>
-          <a:bodyPr/>
-          <a:lstStyle/>
-          <a:p>
-            <a:r>
-              <a:rPr lang="en-US" altLang="zh-CN" dirty="0" err="1" smtClean="0"/>
-              <a:t>Variational</a:t>
-            </a:r>
-            <a:r>
-              <a:rPr lang="en-US" altLang="zh-CN" dirty="0" smtClean="0"/>
-              <a:t> Auto-Encoder (Testing)</a:t>
-            </a:r>
-            <a:endParaRPr kumimoji="1" lang="zh-CN" altLang="en-US" dirty="0"/>
-          </a:p>
-        </p:txBody>
-      </p:sp>
-      <p:pic>
-        <p:nvPicPr>
-          <p:cNvPr id="7" name="图片 6"/>
-          <p:cNvPicPr>
-            <a:picLocks noChangeAspect="1"/>
-          </p:cNvPicPr>
-          <p:nvPr/>
-        </p:nvPicPr>
-        <p:blipFill>
-          <a:blip r:embed="rId3">
-            <a:extLst>
-              <a:ext uri="{28A0092B-C50C-407E-A947-70E740481C1C}">
-                <a14:useLocalDpi xmlns:a14="http://schemas.microsoft.com/office/drawing/2010/main" val="0"/>
-              </a:ext>
-            </a:extLst>
-          </a:blip>
-          <a:stretch>
-            <a:fillRect/>
-          </a:stretch>
-        </p:blipFill>
-        <p:spPr>
-          <a:xfrm>
-            <a:off x="-468560" y="2492896"/>
-            <a:ext cx="6730193" cy="5206376"/>
-          </a:xfrm>
-          <a:prstGeom prst="rect">
-            <a:avLst/>
-          </a:prstGeom>
-        </p:spPr>
-      </p:pic>
-      <p:pic>
-        <p:nvPicPr>
-          <p:cNvPr id="6" name="图片 5"/>
-          <p:cNvPicPr>
-            <a:picLocks noChangeAspect="1"/>
-          </p:cNvPicPr>
-          <p:nvPr/>
-        </p:nvPicPr>
-        <p:blipFill>
-          <a:blip r:embed="rId4">
-            <a:extLst>
-              <a:ext uri="{28A0092B-C50C-407E-A947-70E740481C1C}">
-                <a14:useLocalDpi xmlns:a14="http://schemas.microsoft.com/office/drawing/2010/main" val="0"/>
-              </a:ext>
-            </a:extLst>
-          </a:blip>
-          <a:stretch>
-            <a:fillRect/>
-          </a:stretch>
-        </p:blipFill>
-        <p:spPr>
-          <a:xfrm>
-            <a:off x="6012160" y="2924944"/>
-            <a:ext cx="2422945" cy="2448272"/>
-          </a:xfrm>
-          <a:prstGeom prst="rect">
-            <a:avLst/>
-          </a:prstGeom>
-        </p:spPr>
-      </p:pic>
-    </p:spTree>
-    <p:extLst>
-      <p:ext uri="{BB962C8B-B14F-4D97-AF65-F5344CB8AC3E}">
-        <p14:creationId xmlns:p14="http://schemas.microsoft.com/office/powerpoint/2010/main" val="528043755"/>
-      </p:ext>
-    </p:extLst>
-  </p:cSld>
-  <p:clrMapOvr>
-    <a:masterClrMapping/>
-  </p:clrMapOvr>
-  <p:transition spd="slow" advTm="11299">
-    <p:fade/>
-  </p:transition>
-  <p:timing>
-    <p:tnLst>
-      <p:par>
-        <p:cTn id="1" dur="indefinite" restart="never" nodeType="tmRoot"/>
-      </p:par>
-    </p:tnLst>
-  </p:timing>
-</p:sld>
-</file>
-
 <file path=ppt/slides/slide6.xml><?xml version="1.0" encoding="utf-8"?>
 <p:sld xmlns:a="http://schemas.openxmlformats.org/drawingml/2006/main" xmlns:r="http://schemas.openxmlformats.org/officeDocument/2006/relationships" xmlns:p="http://schemas.openxmlformats.org/presentationml/2006/main">
   <p:cSld>
@@ -31136,6 +31433,133 @@
           <a:lstStyle/>
           <a:p>
             <a:r>
+              <a:rPr lang="en-US" altLang="zh-CN" dirty="0" err="1" smtClean="0"/>
+              <a:t>Variational</a:t>
+            </a:r>
+            <a:r>
+              <a:rPr lang="en-US" altLang="zh-CN" dirty="0" smtClean="0"/>
+              <a:t> Auto-Encoder (Testing)</a:t>
+            </a:r>
+            <a:endParaRPr kumimoji="1" lang="zh-CN" altLang="en-US" dirty="0"/>
+          </a:p>
+        </p:txBody>
+      </p:sp>
+      <p:pic>
+        <p:nvPicPr>
+          <p:cNvPr id="7" name="图片 6"/>
+          <p:cNvPicPr>
+            <a:picLocks noChangeAspect="1"/>
+          </p:cNvPicPr>
+          <p:nvPr/>
+        </p:nvPicPr>
+        <p:blipFill>
+          <a:blip r:embed="rId3">
+            <a:extLst>
+              <a:ext uri="{28A0092B-C50C-407E-A947-70E740481C1C}">
+                <a14:useLocalDpi xmlns:a14="http://schemas.microsoft.com/office/drawing/2010/main" val="0"/>
+              </a:ext>
+            </a:extLst>
+          </a:blip>
+          <a:stretch>
+            <a:fillRect/>
+          </a:stretch>
+        </p:blipFill>
+        <p:spPr>
+          <a:xfrm>
+            <a:off x="-396552" y="2492896"/>
+            <a:ext cx="6730193" cy="5206376"/>
+          </a:xfrm>
+          <a:prstGeom prst="rect">
+            <a:avLst/>
+          </a:prstGeom>
+        </p:spPr>
+      </p:pic>
+      <p:pic>
+        <p:nvPicPr>
+          <p:cNvPr id="6" name="图片 5"/>
+          <p:cNvPicPr>
+            <a:picLocks noChangeAspect="1"/>
+          </p:cNvPicPr>
+          <p:nvPr/>
+        </p:nvPicPr>
+        <p:blipFill>
+          <a:blip r:embed="rId4">
+            <a:extLst>
+              <a:ext uri="{28A0092B-C50C-407E-A947-70E740481C1C}">
+                <a14:useLocalDpi xmlns:a14="http://schemas.microsoft.com/office/drawing/2010/main" val="0"/>
+              </a:ext>
+            </a:extLst>
+          </a:blip>
+          <a:stretch>
+            <a:fillRect/>
+          </a:stretch>
+        </p:blipFill>
+        <p:spPr>
+          <a:xfrm>
+            <a:off x="6084168" y="2924944"/>
+            <a:ext cx="2422945" cy="2448272"/>
+          </a:xfrm>
+          <a:prstGeom prst="rect">
+            <a:avLst/>
+          </a:prstGeom>
+        </p:spPr>
+      </p:pic>
+    </p:spTree>
+    <p:extLst>
+      <p:ext uri="{BB962C8B-B14F-4D97-AF65-F5344CB8AC3E}">
+        <p14:creationId xmlns:p14="http://schemas.microsoft.com/office/powerpoint/2010/main" val="528043755"/>
+      </p:ext>
+    </p:extLst>
+  </p:cSld>
+  <p:clrMapOvr>
+    <a:masterClrMapping/>
+  </p:clrMapOvr>
+  <p:transition spd="slow" advTm="11299">
+    <p:fade/>
+  </p:transition>
+  <p:timing>
+    <p:tnLst>
+      <p:par>
+        <p:cTn id="1" dur="indefinite" restart="never" nodeType="tmRoot"/>
+      </p:par>
+    </p:tnLst>
+  </p:timing>
+</p:sld>
+</file>
+
+<file path=ppt/slides/slide7.xml><?xml version="1.0" encoding="utf-8"?>
+<p:sld xmlns:a="http://schemas.openxmlformats.org/drawingml/2006/main" xmlns:r="http://schemas.openxmlformats.org/officeDocument/2006/relationships" xmlns:p="http://schemas.openxmlformats.org/presentationml/2006/main">
+  <p:cSld>
+    <p:spTree>
+      <p:nvGrpSpPr>
+        <p:cNvPr id="1" name=""/>
+        <p:cNvGrpSpPr/>
+        <p:nvPr/>
+      </p:nvGrpSpPr>
+      <p:grpSpPr>
+        <a:xfrm>
+          <a:off x="0" y="0"/>
+          <a:ext cx="0" cy="0"/>
+          <a:chOff x="0" y="0"/>
+          <a:chExt cx="0" cy="0"/>
+        </a:xfrm>
+      </p:grpSpPr>
+      <p:sp>
+        <p:nvSpPr>
+          <p:cNvPr id="2" name="标题 1"/>
+          <p:cNvSpPr>
+            <a:spLocks noGrp="1"/>
+          </p:cNvSpPr>
+          <p:nvPr>
+            <p:ph type="title"/>
+          </p:nvPr>
+        </p:nvSpPr>
+        <p:spPr/>
+        <p:txBody>
+          <a:bodyPr/>
+          <a:lstStyle/>
+          <a:p>
+            <a:r>
               <a:rPr kumimoji="1" lang="en-GB" altLang="zh-CN" dirty="0" err="1" smtClean="0"/>
               <a:t>ZhuSuan</a:t>
             </a:r>
@@ -31179,7 +31603,6 @@
               <a:rPr kumimoji="1" lang="en-GB" altLang="zh-CN" dirty="0" smtClean="0"/>
               <a:t>Layers + Gradients</a:t>
             </a:r>
-            <a:endParaRPr kumimoji="1" lang="en-GB" altLang="zh-CN" dirty="0" smtClean="0"/>
           </a:p>
         </p:txBody>
       </p:sp>
@@ -31499,7 +31922,6 @@
               <a:rPr kumimoji="1" lang="en-GB" altLang="zh-CN" kern="0" dirty="0" smtClean="0"/>
               <a:t>Uncertainty + Inference</a:t>
             </a:r>
-            <a:endParaRPr kumimoji="1" lang="en-GB" altLang="zh-CN" kern="0" dirty="0" smtClean="0"/>
           </a:p>
         </p:txBody>
       </p:sp>
@@ -31526,7 +31948,7 @@
 </p:sld>
 </file>
 
-<file path=ppt/slides/slide7.xml><?xml version="1.0" encoding="utf-8"?>
+<file path=ppt/slides/slide8.xml><?xml version="1.0" encoding="utf-8"?>
 <p:sld xmlns:a="http://schemas.openxmlformats.org/drawingml/2006/main" xmlns:r="http://schemas.openxmlformats.org/officeDocument/2006/relationships" xmlns:p="http://schemas.openxmlformats.org/presentationml/2006/main">
   <p:cSld>
     <p:spTree>
@@ -31620,7 +32042,6 @@
               <a:rPr kumimoji="1" lang="en-GB" altLang="zh-CN" dirty="0" smtClean="0"/>
               <a:t>Automatic learning</a:t>
             </a:r>
-            <a:endParaRPr kumimoji="1" lang="en-GB" altLang="zh-CN" dirty="0" smtClean="0"/>
           </a:p>
           <a:p>
             <a:pPr marL="0" indent="0">
@@ -31683,7 +32104,7 @@
 </p:sld>
 </file>
 
-<file path=ppt/slides/slide8.xml><?xml version="1.0" encoding="utf-8"?>
+<file path=ppt/slides/slide9.xml><?xml version="1.0" encoding="utf-8"?>
 <p:sld xmlns:a="http://schemas.openxmlformats.org/drawingml/2006/main" xmlns:r="http://schemas.openxmlformats.org/officeDocument/2006/relationships" xmlns:p="http://schemas.openxmlformats.org/presentationml/2006/main">
   <p:cSld>
     <p:spTree>
@@ -31768,15 +32189,7 @@
           <a:p>
             <a:r>
               <a:rPr kumimoji="1" lang="en-GB" altLang="zh-CN" dirty="0" smtClean="0"/>
-              <a:t>Fill in some code after the </a:t>
-            </a:r>
-            <a:r>
-              <a:rPr kumimoji="1" lang="en-GB" altLang="zh-CN" dirty="0" smtClean="0"/>
-              <a:t>‘</a:t>
-            </a:r>
-            <a:r>
-              <a:rPr kumimoji="1" lang="en-GB" altLang="zh-CN" dirty="0" smtClean="0"/>
-              <a:t>TODO’s and </a:t>
+              <a:t>Fill in some code after the ‘TODO’s and </a:t>
             </a:r>
             <a:r>
               <a:rPr kumimoji="1" lang="en-GB" altLang="zh-CN" dirty="0"/>
@@ -31801,7 +32214,6 @@
               <a:rPr kumimoji="1" lang="en-GB" altLang="zh-CN" dirty="0" smtClean="0"/>
               <a:t>increase</a:t>
             </a:r>
-            <a:endParaRPr kumimoji="1" lang="en-GB" altLang="zh-CN" dirty="0" smtClean="0"/>
           </a:p>
           <a:p>
             <a:pPr lvl="1"/>
@@ -31871,93 +32283,6 @@
   <p:transition spd="slow" advTm="11299">
     <p:fade/>
   </p:transition>
-  <p:timing>
-    <p:tnLst>
-      <p:par>
-        <p:cTn id="1" dur="indefinite" restart="never" nodeType="tmRoot"/>
-      </p:par>
-    </p:tnLst>
-  </p:timing>
-</p:sld>
-</file>
-
-<file path=ppt/slides/slide9.xml><?xml version="1.0" encoding="utf-8"?>
-<p:sld xmlns:a="http://schemas.openxmlformats.org/drawingml/2006/main" xmlns:r="http://schemas.openxmlformats.org/officeDocument/2006/relationships" xmlns:p="http://schemas.openxmlformats.org/presentationml/2006/main">
-  <p:cSld>
-    <p:spTree>
-      <p:nvGrpSpPr>
-        <p:cNvPr id="1" name=""/>
-        <p:cNvGrpSpPr/>
-        <p:nvPr/>
-      </p:nvGrpSpPr>
-      <p:grpSpPr>
-        <a:xfrm>
-          <a:off x="0" y="0"/>
-          <a:ext cx="0" cy="0"/>
-          <a:chOff x="0" y="0"/>
-          <a:chExt cx="0" cy="0"/>
-        </a:xfrm>
-      </p:grpSpPr>
-      <p:sp>
-        <p:nvSpPr>
-          <p:cNvPr id="2" name="标题 1"/>
-          <p:cNvSpPr>
-            <a:spLocks noGrp="1"/>
-          </p:cNvSpPr>
-          <p:nvPr>
-            <p:ph type="ctrTitle"/>
-          </p:nvPr>
-        </p:nvSpPr>
-        <p:spPr>
-          <a:xfrm>
-            <a:off x="1905000" y="1828800"/>
-            <a:ext cx="6411416" cy="2209800"/>
-          </a:xfrm>
-        </p:spPr>
-        <p:txBody>
-          <a:bodyPr/>
-          <a:lstStyle/>
-          <a:p>
-            <a:pPr algn="ctr"/>
-            <a:r>
-              <a:rPr lang="en-GB" altLang="zh-CN" sz="6000" dirty="0" smtClean="0">
-                <a:latin typeface="华文楷体" panose="02010600040101010101" pitchFamily="2" charset="-122"/>
-                <a:ea typeface="华文楷体" panose="02010600040101010101" pitchFamily="2" charset="-122"/>
-              </a:rPr>
-              <a:t>Thank you</a:t>
-            </a:r>
-            <a:r>
-              <a:rPr lang="zh-CN" altLang="en-US" sz="6000" dirty="0" smtClean="0">
-                <a:latin typeface="华文楷体" panose="02010600040101010101" pitchFamily="2" charset="-122"/>
-                <a:ea typeface="华文楷体" panose="02010600040101010101" pitchFamily="2" charset="-122"/>
-              </a:rPr>
-              <a:t>！</a:t>
-            </a:r>
-            <a:endParaRPr lang="zh-CN" altLang="en-US" sz="6000" dirty="0">
-              <a:latin typeface="华文楷体" panose="02010600040101010101" pitchFamily="2" charset="-122"/>
-              <a:ea typeface="华文楷体" panose="02010600040101010101" pitchFamily="2" charset="-122"/>
-            </a:endParaRPr>
-          </a:p>
-        </p:txBody>
-      </p:sp>
-    </p:spTree>
-    <p:extLst>
-      <p:ext uri="{BB962C8B-B14F-4D97-AF65-F5344CB8AC3E}">
-        <p14:creationId xmlns:p14="http://schemas.microsoft.com/office/powerpoint/2010/main" val="1225021555"/>
-      </p:ext>
-    </p:extLst>
-  </p:cSld>
-  <p:clrMapOvr>
-    <a:masterClrMapping/>
-  </p:clrMapOvr>
-  <mc:AlternateContent xmlns:mc="http://schemas.openxmlformats.org/markup-compatibility/2006" xmlns:p14="http://schemas.microsoft.com/office/powerpoint/2010/main">
-    <mc:Choice Requires="p14">
-      <p:transition p14:dur="10"/>
-    </mc:Choice>
-    <mc:Fallback xmlns="">
-      <p:transition/>
-    </mc:Fallback>
-  </mc:AlternateContent>
   <p:timing>
     <p:tnLst>
       <p:par>

--- a/vae.pptx
+++ b/vae.pptx
@@ -29513,25 +29513,18 @@
           <a:p>
             <a:pPr algn="ctr"/>
             <a:r>
-              <a:rPr lang="en-US" altLang="zh-CN" sz="4400" dirty="0">
+              <a:rPr lang="en-US" altLang="zh-CN" sz="4400">
                 <a:latin typeface="华文楷体" panose="02010600040101010101" pitchFamily="2" charset="-122"/>
                 <a:ea typeface="华文楷体" panose="02010600040101010101" pitchFamily="2" charset="-122"/>
               </a:rPr>
               <a:t>How </a:t>
             </a:r>
             <a:r>
-              <a:rPr lang="en-GB" altLang="zh-CN" sz="4400" dirty="0" smtClean="0">
-                <a:latin typeface="华文楷体" panose="02010600040101010101" pitchFamily="2" charset="-122"/>
-                <a:ea typeface="华文楷体" panose="02010600040101010101" pitchFamily="2" charset="-122"/>
-              </a:rPr>
-              <a:t>can </a:t>
-            </a:r>
-            <a:r>
               <a:rPr lang="en-US" altLang="zh-CN" sz="4400" smtClean="0">
                 <a:latin typeface="华文楷体" panose="02010600040101010101" pitchFamily="2" charset="-122"/>
                 <a:ea typeface="华文楷体" panose="02010600040101010101" pitchFamily="2" charset="-122"/>
               </a:rPr>
-              <a:t>AI generate </a:t>
+              <a:t>AI can generate </a:t>
             </a:r>
             <a:r>
               <a:rPr lang="en-US" altLang="zh-CN" sz="4400" dirty="0">
@@ -29748,8 +29741,8 @@
           </a:p>
         </p:txBody>
       </p:sp>
-      <mc:AlternateContent xmlns:mc="http://schemas.openxmlformats.org/markup-compatibility/2006">
-        <mc:Choice xmlns:a14="http://schemas.microsoft.com/office/drawing/2010/main" Requires="a14">
+      <mc:AlternateContent xmlns:mc="http://schemas.openxmlformats.org/markup-compatibility/2006" xmlns:a14="http://schemas.microsoft.com/office/drawing/2010/main">
+        <mc:Choice Requires="a14">
           <p:sp>
             <p:nvSpPr>
               <p:cNvPr id="3" name="内容占位符 2"/>
@@ -29786,26 +29779,13 @@
                 </a14:m>
                 <a:r>
                   <a:rPr kumimoji="1" lang="en-GB" altLang="zh-CN" dirty="0" smtClean="0"/>
-                  <a:t> distributes on a </a:t>
+                  <a:t> distributes on a low-dimensional manifold in a high-dimensional space</a:t>
                 </a:r>
-                <a:r>
-                  <a:rPr kumimoji="1" lang="en-GB" altLang="zh-CN" dirty="0" smtClean="0"/>
-                  <a:t>low-dimensional </a:t>
-                </a:r>
-                <a:r>
-                  <a:rPr kumimoji="1" lang="en-GB" altLang="zh-CN" dirty="0" smtClean="0"/>
-                  <a:t>manifold in a high-dimensional </a:t>
-                </a:r>
-                <a:r>
-                  <a:rPr kumimoji="1" lang="en-GB" altLang="zh-CN" dirty="0" smtClean="0"/>
-                  <a:t>space</a:t>
-                </a:r>
-                <a:endParaRPr kumimoji="1" lang="en-GB" altLang="zh-CN" dirty="0" smtClean="0"/>
               </a:p>
             </p:txBody>
           </p:sp>
         </mc:Choice>
-        <mc:Fallback>
+        <mc:Fallback xmlns="">
           <p:sp>
             <p:nvSpPr>
               <p:cNvPr id="3" name="内容占位符 2"/>
@@ -30005,8 +29985,8 @@
           </a:p>
         </p:txBody>
       </p:sp>
-      <mc:AlternateContent xmlns:mc="http://schemas.openxmlformats.org/markup-compatibility/2006">
-        <mc:Choice xmlns:a14="http://schemas.microsoft.com/office/drawing/2010/main" Requires="a14">
+      <mc:AlternateContent xmlns:mc="http://schemas.openxmlformats.org/markup-compatibility/2006" xmlns:a14="http://schemas.microsoft.com/office/drawing/2010/main">
+        <mc:Choice Requires="a14">
           <p:sp>
             <p:nvSpPr>
               <p:cNvPr id="3" name="内容占位符 2"/>
@@ -30036,11 +30016,7 @@
               <a:p>
                 <a:r>
                   <a:rPr kumimoji="1" lang="en-GB" altLang="zh-CN" dirty="0" smtClean="0"/>
-                  <a:t>Directly </a:t>
-                </a:r>
-                <a:r>
-                  <a:rPr kumimoji="1" lang="en-GB" altLang="zh-CN" dirty="0" smtClean="0"/>
-                  <a:t>learn </a:t>
+                  <a:t>Directly learn </a:t>
                 </a:r>
                 <a14:m>
                   <m:oMath xmlns:m="http://schemas.openxmlformats.org/officeDocument/2006/math">
@@ -30078,7 +30054,7 @@
             </p:txBody>
           </p:sp>
         </mc:Choice>
-        <mc:Fallback>
+        <mc:Fallback xmlns="">
           <p:sp>
             <p:nvSpPr>
               <p:cNvPr id="3" name="内容占位符 2"/>
@@ -30278,8 +30254,8 @@
           </a:p>
         </p:txBody>
       </p:sp>
-      <mc:AlternateContent xmlns:mc="http://schemas.openxmlformats.org/markup-compatibility/2006">
-        <mc:Choice xmlns:a14="http://schemas.microsoft.com/office/drawing/2010/main" Requires="a14">
+      <mc:AlternateContent xmlns:mc="http://schemas.openxmlformats.org/markup-compatibility/2006" xmlns:a14="http://schemas.microsoft.com/office/drawing/2010/main">
+        <mc:Choice Requires="a14">
           <p:sp>
             <p:nvSpPr>
               <p:cNvPr id="3" name="内容占位符 2"/>
@@ -30302,11 +30278,7 @@
               <a:p>
                 <a:r>
                   <a:rPr kumimoji="1" lang="en-GB" altLang="zh-CN" dirty="0" smtClean="0"/>
-                  <a:t>Generative </a:t>
-                </a:r>
-                <a:r>
-                  <a:rPr kumimoji="1" lang="en-GB" altLang="zh-CN" dirty="0" smtClean="0"/>
-                  <a:t>process of data </a:t>
+                  <a:t>Generative process of data </a:t>
                 </a:r>
                 <a14:m>
                   <m:oMath xmlns:m="http://schemas.openxmlformats.org/officeDocument/2006/math">
@@ -30537,7 +30509,7 @@
             </p:txBody>
           </p:sp>
         </mc:Choice>
-        <mc:Fallback>
+        <mc:Fallback xmlns="">
           <p:sp>
             <p:nvSpPr>
               <p:cNvPr id="3" name="内容占位符 2"/>
@@ -30702,8 +30674,8 @@
           </a:p>
         </p:txBody>
       </p:sp>
-      <mc:AlternateContent xmlns:mc="http://schemas.openxmlformats.org/markup-compatibility/2006">
-        <mc:Choice xmlns:a14="http://schemas.microsoft.com/office/drawing/2010/main" Requires="a14">
+      <mc:AlternateContent xmlns:mc="http://schemas.openxmlformats.org/markup-compatibility/2006" xmlns:a14="http://schemas.microsoft.com/office/drawing/2010/main">
+        <mc:Choice Requires="a14">
           <p:sp>
             <p:nvSpPr>
               <p:cNvPr id="3" name="内容占位符 2"/>
@@ -31249,7 +31221,7 @@
             </p:txBody>
           </p:sp>
         </mc:Choice>
-        <mc:Fallback>
+        <mc:Fallback xmlns="">
           <p:sp>
             <p:nvSpPr>
               <p:cNvPr id="3" name="内容占位符 2"/>

--- a/vae.pptx
+++ b/vae.pptx
@@ -29823,36 +29823,6 @@
           </p:sp>
         </mc:Fallback>
       </mc:AlternateContent>
-      <p:pic>
-        <p:nvPicPr>
-          <p:cNvPr id="12" name="图片 11"/>
-          <p:cNvPicPr>
-            <a:picLocks noChangeAspect="1"/>
-          </p:cNvPicPr>
-          <p:nvPr/>
-        </p:nvPicPr>
-        <p:blipFill>
-          <a:blip r:embed="rId4">
-            <a:extLst>
-              <a:ext uri="{28A0092B-C50C-407E-A947-70E740481C1C}">
-                <a14:useLocalDpi xmlns:a14="http://schemas.microsoft.com/office/drawing/2010/main" val="0"/>
-              </a:ext>
-            </a:extLst>
-          </a:blip>
-          <a:stretch>
-            <a:fillRect/>
-          </a:stretch>
-        </p:blipFill>
-        <p:spPr>
-          <a:xfrm>
-            <a:off x="488727" y="3429000"/>
-            <a:ext cx="2116190" cy="2088232"/>
-          </a:xfrm>
-          <a:prstGeom prst="rect">
-            <a:avLst/>
-          </a:prstGeom>
-        </p:spPr>
-      </p:pic>
       <p:sp>
         <p:nvSpPr>
           <p:cNvPr id="4" name="AutoShape 2" descr="https://qph.fs.quoracdn.net/main-qimg-3b5c0a83cb9b46a3ad704c0c0b61adc1.webp"/>
@@ -29894,7 +29864,37 @@
       </p:sp>
       <p:pic>
         <p:nvPicPr>
-          <p:cNvPr id="7" name="图片 6"/>
+          <p:cNvPr id="8" name="图片 7"/>
+          <p:cNvPicPr>
+            <a:picLocks noChangeAspect="1"/>
+          </p:cNvPicPr>
+          <p:nvPr/>
+        </p:nvPicPr>
+        <p:blipFill>
+          <a:blip r:embed="rId4">
+            <a:extLst>
+              <a:ext uri="{28A0092B-C50C-407E-A947-70E740481C1C}">
+                <a14:useLocalDpi xmlns:a14="http://schemas.microsoft.com/office/drawing/2010/main" val="0"/>
+              </a:ext>
+            </a:extLst>
+          </a:blip>
+          <a:stretch>
+            <a:fillRect/>
+          </a:stretch>
+        </p:blipFill>
+        <p:spPr>
+          <a:xfrm>
+            <a:off x="4067944" y="2598383"/>
+            <a:ext cx="4248472" cy="3573219"/>
+          </a:xfrm>
+          <a:prstGeom prst="rect">
+            <a:avLst/>
+          </a:prstGeom>
+        </p:spPr>
+      </p:pic>
+      <p:pic>
+        <p:nvPicPr>
+          <p:cNvPr id="5" name="图片 4"/>
           <p:cNvPicPr>
             <a:picLocks noChangeAspect="1"/>
           </p:cNvPicPr>
@@ -29914,8 +29914,8 @@
         </p:blipFill>
         <p:spPr>
           <a:xfrm>
-            <a:off x="3247801" y="3377170"/>
-            <a:ext cx="5429250" cy="2047875"/>
+            <a:off x="609600" y="3068960"/>
+            <a:ext cx="2974107" cy="2957257"/>
           </a:xfrm>
           <a:prstGeom prst="rect">
             <a:avLst/>
@@ -30133,7 +30133,7 @@
       </p:sp>
       <p:pic>
         <p:nvPicPr>
-          <p:cNvPr id="5" name="图片 4"/>
+          <p:cNvPr id="6" name="图片 5"/>
           <p:cNvPicPr>
             <a:picLocks noChangeAspect="1"/>
           </p:cNvPicPr>
@@ -30153,8 +30153,8 @@
         </p:blipFill>
         <p:spPr>
           <a:xfrm>
-            <a:off x="304800" y="2963320"/>
-            <a:ext cx="3979168" cy="3346718"/>
+            <a:off x="4771479" y="2761380"/>
+            <a:ext cx="3888432" cy="3855519"/>
           </a:xfrm>
           <a:prstGeom prst="rect">
             <a:avLst/>
@@ -30163,7 +30163,7 @@
       </p:pic>
       <p:pic>
         <p:nvPicPr>
-          <p:cNvPr id="6" name="图片 5"/>
+          <p:cNvPr id="7" name="图片 6"/>
           <p:cNvPicPr>
             <a:picLocks noChangeAspect="1"/>
           </p:cNvPicPr>
@@ -30183,8 +30183,8 @@
         </p:blipFill>
         <p:spPr>
           <a:xfrm>
-            <a:off x="4648200" y="2780928"/>
-            <a:ext cx="3888432" cy="3855519"/>
+            <a:off x="152400" y="3861047"/>
+            <a:ext cx="4390813" cy="1656184"/>
           </a:xfrm>
           <a:prstGeom prst="rect">
             <a:avLst/>
